--- a/doc/RubyabqPresentation[Autosaved].pptx
+++ b/doc/RubyabqPresentation[Autosaved].pptx
@@ -5256,13 +5256,8 @@
             </a:r>
             <a:r>
               <a:rPr lang="en-US" dirty="0"/>
-              <a:t> </a:t>
-            </a:r>
-            <a:r>
-              <a:rPr lang="en-US" dirty="0" err="1"/>
-              <a:t>dir</a:t>
-            </a:r>
-            <a:endParaRPr lang="en-US" dirty="0"/>
+              <a:t> directory</a:t>
+            </a:r>
           </a:p>
           <a:p>
             <a:r>

--- a/doc/RubyabqPresentation[Autosaved].pptx
+++ b/doc/RubyabqPresentation[Autosaved].pptx
@@ -35,6 +35,7 @@
     <p:sldId id="281" r:id="rId29"/>
     <p:sldId id="282" r:id="rId30"/>
     <p:sldId id="285" r:id="rId31"/>
+    <p:sldId id="286" r:id="rId32"/>
   </p:sldIdLst>
   <p:sldSz cx="12192000" cy="6858000"/>
   <p:notesSz cx="6858000" cy="9144000"/>
@@ -8054,6 +8055,159 @@
 </p:sld>
 </file>
 
+<file path=ppt/slides/slide31.xml><?xml version="1.0" encoding="utf-8"?>
+<p:sld xmlns:a="http://schemas.openxmlformats.org/drawingml/2006/main" xmlns:r="http://schemas.openxmlformats.org/officeDocument/2006/relationships" xmlns:p="http://schemas.openxmlformats.org/presentationml/2006/main">
+  <p:cSld>
+    <p:spTree>
+      <p:nvGrpSpPr>
+        <p:cNvPr id="1" name=""/>
+        <p:cNvGrpSpPr/>
+        <p:nvPr/>
+      </p:nvGrpSpPr>
+      <p:grpSpPr>
+        <a:xfrm>
+          <a:off x="0" y="0"/>
+          <a:ext cx="0" cy="0"/>
+          <a:chOff x="0" y="0"/>
+          <a:chExt cx="0" cy="0"/>
+        </a:xfrm>
+      </p:grpSpPr>
+      <p:sp>
+        <p:nvSpPr>
+          <p:cNvPr id="2" name="Title 1">
+            <a:extLst>
+              <a:ext uri="{FF2B5EF4-FFF2-40B4-BE49-F238E27FC236}">
+                <a16:creationId xmlns:a16="http://schemas.microsoft.com/office/drawing/2014/main" id="{9EFA2CFE-3C7A-2D47-BDFB-5F9A6DF1A6E8}"/>
+              </a:ext>
+            </a:extLst>
+          </p:cNvPr>
+          <p:cNvSpPr>
+            <a:spLocks noGrp="1"/>
+          </p:cNvSpPr>
+          <p:nvPr>
+            <p:ph type="title"/>
+          </p:nvPr>
+        </p:nvSpPr>
+        <p:spPr/>
+        <p:txBody>
+          <a:bodyPr/>
+          <a:lstStyle/>
+          <a:p>
+            <a:r>
+              <a:rPr lang="en-US"/>
+              <a:t>See this </a:t>
+            </a:r>
+            <a:r>
+              <a:rPr lang="en-US" dirty="0"/>
+              <a:t>PowerPoint Presentation here: doc/</a:t>
+            </a:r>
+            <a:r>
+              <a:rPr lang="en-US" dirty="0" err="1"/>
+              <a:t>RubyabqPresentation</a:t>
+            </a:r>
+            <a:r>
+              <a:rPr lang="en-US" dirty="0"/>
+              <a:t>[Autosaved].pptx</a:t>
+            </a:r>
+          </a:p>
+        </p:txBody>
+      </p:sp>
+      <p:sp>
+        <p:nvSpPr>
+          <p:cNvPr id="3" name="Content Placeholder 2">
+            <a:extLst>
+              <a:ext uri="{FF2B5EF4-FFF2-40B4-BE49-F238E27FC236}">
+                <a16:creationId xmlns:a16="http://schemas.microsoft.com/office/drawing/2014/main" id="{71F2C5C2-F3BB-4045-8258-C8FD857D39CB}"/>
+              </a:ext>
+            </a:extLst>
+          </p:cNvPr>
+          <p:cNvSpPr>
+            <a:spLocks noGrp="1"/>
+          </p:cNvSpPr>
+          <p:nvPr>
+            <p:ph idx="1"/>
+          </p:nvPr>
+        </p:nvSpPr>
+        <p:spPr/>
+        <p:txBody>
+          <a:bodyPr/>
+          <a:lstStyle/>
+          <a:p>
+            <a:r>
+              <a:rPr lang="en-US" dirty="0">
+                <a:hlinkClick r:id="rId2"/>
+              </a:rPr>
+              <a:t>RAILS 6</a:t>
+            </a:r>
+          </a:p>
+          <a:p>
+            <a:pPr lvl="1"/>
+            <a:r>
+              <a:rPr lang="en-US" dirty="0">
+                <a:hlinkClick r:id="rId2"/>
+              </a:rPr>
+              <a:t>https://github.com/fgermanojr/rubyabq.git</a:t>
+            </a:r>
+            <a:r>
+              <a:rPr lang="en-US" dirty="0"/>
+              <a:t> &lt;-- pptx here</a:t>
+            </a:r>
+          </a:p>
+          <a:p>
+            <a:r>
+              <a:rPr lang="en-US" u="sng" dirty="0">
+                <a:hlinkClick r:id="rId3"/>
+              </a:rPr>
+              <a:t>RAILS 6.1</a:t>
+            </a:r>
+          </a:p>
+          <a:p>
+            <a:pPr lvl="1"/>
+            <a:r>
+              <a:rPr lang="en-US" u="sng" dirty="0">
+                <a:hlinkClick r:id="rId3"/>
+              </a:rPr>
+              <a:t>https://github.com/fgermanojr/rubyabq2</a:t>
+            </a:r>
+            <a:endParaRPr lang="en-US" u="sng" dirty="0"/>
+          </a:p>
+          <a:p>
+            <a:endParaRPr lang="en-US" u="sng" dirty="0"/>
+          </a:p>
+          <a:p>
+            <a:r>
+              <a:rPr lang="en-US" dirty="0"/>
+              <a:t>Frank </a:t>
+            </a:r>
+            <a:r>
+              <a:rPr lang="en-US" dirty="0" err="1"/>
+              <a:t>Germano</a:t>
+            </a:r>
+            <a:endParaRPr lang="en-US" dirty="0"/>
+          </a:p>
+          <a:p>
+            <a:pPr lvl="1"/>
+            <a:r>
+              <a:rPr lang="en-US" dirty="0" err="1"/>
+              <a:t>frank@germano.org</a:t>
+            </a:r>
+            <a:endParaRPr lang="en-US" dirty="0"/>
+          </a:p>
+        </p:txBody>
+      </p:sp>
+    </p:spTree>
+    <p:extLst>
+      <p:ext uri="{BB962C8B-B14F-4D97-AF65-F5344CB8AC3E}">
+        <p14:creationId xmlns:p14="http://schemas.microsoft.com/office/powerpoint/2010/main" val="3973070865"/>
+      </p:ext>
+    </p:extLst>
+  </p:cSld>
+  <p:clrMapOvr>
+    <a:masterClrMapping/>
+  </p:clrMapOvr>
+</p:sld>
+</file>
+
 <file path=ppt/slides/slide4.xml><?xml version="1.0" encoding="utf-8"?>
 <p:sld xmlns:a="http://schemas.openxmlformats.org/drawingml/2006/main" xmlns:r="http://schemas.openxmlformats.org/officeDocument/2006/relationships" xmlns:p="http://schemas.openxmlformats.org/presentationml/2006/main">
   <p:cSld>
